--- a/PFC-Presentación.pptx
+++ b/PFC-Presentación.pptx
@@ -322,7 +322,7 @@
           <a:p>
             <a:fld id="{8FDB0E46-0FB8-4A65-82C2-1B31257E8B4E}" type="datetimeFigureOut">
               <a:rPr lang="es-CL" smtClean="0"/>
-              <a:t>08-04-2015</a:t>
+              <a:t>09-04-2015</a:t>
             </a:fld>
             <a:endParaRPr lang="es-CL"/>
           </a:p>
@@ -487,7 +487,7 @@
           <a:p>
             <a:fld id="{8FDB0E46-0FB8-4A65-82C2-1B31257E8B4E}" type="datetimeFigureOut">
               <a:rPr lang="es-CL" smtClean="0"/>
-              <a:t>08-04-2015</a:t>
+              <a:t>09-04-2015</a:t>
             </a:fld>
             <a:endParaRPr lang="es-CL"/>
           </a:p>
@@ -662,7 +662,7 @@
           <a:p>
             <a:fld id="{8FDB0E46-0FB8-4A65-82C2-1B31257E8B4E}" type="datetimeFigureOut">
               <a:rPr lang="es-CL" smtClean="0"/>
-              <a:t>08-04-2015</a:t>
+              <a:t>09-04-2015</a:t>
             </a:fld>
             <a:endParaRPr lang="es-CL"/>
           </a:p>
@@ -827,7 +827,7 @@
           <a:p>
             <a:fld id="{8FDB0E46-0FB8-4A65-82C2-1B31257E8B4E}" type="datetimeFigureOut">
               <a:rPr lang="es-CL" smtClean="0"/>
-              <a:t>08-04-2015</a:t>
+              <a:t>09-04-2015</a:t>
             </a:fld>
             <a:endParaRPr lang="es-CL"/>
           </a:p>
@@ -1068,7 +1068,7 @@
           <a:p>
             <a:fld id="{8FDB0E46-0FB8-4A65-82C2-1B31257E8B4E}" type="datetimeFigureOut">
               <a:rPr lang="es-CL" smtClean="0"/>
-              <a:t>08-04-2015</a:t>
+              <a:t>09-04-2015</a:t>
             </a:fld>
             <a:endParaRPr lang="es-CL"/>
           </a:p>
@@ -1351,7 +1351,7 @@
           <a:p>
             <a:fld id="{8FDB0E46-0FB8-4A65-82C2-1B31257E8B4E}" type="datetimeFigureOut">
               <a:rPr lang="es-CL" smtClean="0"/>
-              <a:t>08-04-2015</a:t>
+              <a:t>09-04-2015</a:t>
             </a:fld>
             <a:endParaRPr lang="es-CL"/>
           </a:p>
@@ -1768,7 +1768,7 @@
           <a:p>
             <a:fld id="{8FDB0E46-0FB8-4A65-82C2-1B31257E8B4E}" type="datetimeFigureOut">
               <a:rPr lang="es-CL" smtClean="0"/>
-              <a:t>08-04-2015</a:t>
+              <a:t>09-04-2015</a:t>
             </a:fld>
             <a:endParaRPr lang="es-CL"/>
           </a:p>
@@ -1881,7 +1881,7 @@
           <a:p>
             <a:fld id="{8FDB0E46-0FB8-4A65-82C2-1B31257E8B4E}" type="datetimeFigureOut">
               <a:rPr lang="es-CL" smtClean="0"/>
-              <a:t>08-04-2015</a:t>
+              <a:t>09-04-2015</a:t>
             </a:fld>
             <a:endParaRPr lang="es-CL"/>
           </a:p>
@@ -1971,7 +1971,7 @@
           <a:p>
             <a:fld id="{8FDB0E46-0FB8-4A65-82C2-1B31257E8B4E}" type="datetimeFigureOut">
               <a:rPr lang="es-CL" smtClean="0"/>
-              <a:t>08-04-2015</a:t>
+              <a:t>09-04-2015</a:t>
             </a:fld>
             <a:endParaRPr lang="es-CL"/>
           </a:p>
@@ -2243,7 +2243,7 @@
           <a:p>
             <a:fld id="{8FDB0E46-0FB8-4A65-82C2-1B31257E8B4E}" type="datetimeFigureOut">
               <a:rPr lang="es-CL" smtClean="0"/>
-              <a:t>08-04-2015</a:t>
+              <a:t>09-04-2015</a:t>
             </a:fld>
             <a:endParaRPr lang="es-CL"/>
           </a:p>
@@ -2491,7 +2491,7 @@
           <a:p>
             <a:fld id="{8FDB0E46-0FB8-4A65-82C2-1B31257E8B4E}" type="datetimeFigureOut">
               <a:rPr lang="es-CL" smtClean="0"/>
-              <a:t>08-04-2015</a:t>
+              <a:t>09-04-2015</a:t>
             </a:fld>
             <a:endParaRPr lang="es-CL"/>
           </a:p>
@@ -2699,7 +2699,7 @@
           <a:p>
             <a:fld id="{8FDB0E46-0FB8-4A65-82C2-1B31257E8B4E}" type="datetimeFigureOut">
               <a:rPr lang="es-CL" smtClean="0"/>
-              <a:t>08-04-2015</a:t>
+              <a:t>09-04-2015</a:t>
             </a:fld>
             <a:endParaRPr lang="es-CL"/>
           </a:p>
@@ -4355,14 +4355,12 @@
               <a:rPr lang="es-CL" dirty="0" smtClean="0"/>
               <a:t>Objeto del proyecto</a:t>
             </a:r>
-            <a:endParaRPr lang="es-CL" dirty="0" smtClean="0"/>
           </a:p>
           <a:p>
             <a:r>
               <a:rPr lang="es-CL" dirty="0" smtClean="0"/>
               <a:t>Resumen del proyecto</a:t>
             </a:r>
-            <a:endParaRPr lang="es-CL" dirty="0" smtClean="0"/>
           </a:p>
           <a:p>
             <a:r>
@@ -4375,7 +4373,6 @@
               <a:rPr lang="es-CL" dirty="0" smtClean="0"/>
               <a:t>Aplicación Web</a:t>
             </a:r>
-            <a:endParaRPr lang="es-CL" dirty="0" smtClean="0"/>
           </a:p>
           <a:p>
             <a:r>
@@ -4474,19 +4471,7 @@
           <a:p>
             <a:r>
               <a:rPr lang="es-ES" dirty="0" smtClean="0"/>
-              <a:t>El objeto principal del proyecto es la creación de una aplicación </a:t>
-            </a:r>
-            <a:r>
-              <a:rPr lang="es-ES" dirty="0" smtClean="0"/>
-              <a:t>web para </a:t>
-            </a:r>
-            <a:r>
-              <a:rPr lang="es-ES" dirty="0" smtClean="0"/>
-              <a:t>la edición de objetos </a:t>
-            </a:r>
-            <a:r>
-              <a:rPr lang="es-ES" dirty="0" smtClean="0"/>
-              <a:t>3D.</a:t>
+              <a:t>El objeto principal del proyecto es la creación de una aplicación web para la edición de objetos 3D.</a:t>
             </a:r>
             <a:br>
               <a:rPr lang="es-ES" dirty="0" smtClean="0"/>

--- a/PFC-Presentación.pptx
+++ b/PFC-Presentación.pptx
@@ -322,7 +322,7 @@
           <a:p>
             <a:fld id="{8FDB0E46-0FB8-4A65-82C2-1B31257E8B4E}" type="datetimeFigureOut">
               <a:rPr lang="es-CL" smtClean="0"/>
-              <a:t>09-04-2015</a:t>
+              <a:t>13-04-2015</a:t>
             </a:fld>
             <a:endParaRPr lang="es-CL"/>
           </a:p>
@@ -487,7 +487,7 @@
           <a:p>
             <a:fld id="{8FDB0E46-0FB8-4A65-82C2-1B31257E8B4E}" type="datetimeFigureOut">
               <a:rPr lang="es-CL" smtClean="0"/>
-              <a:t>09-04-2015</a:t>
+              <a:t>13-04-2015</a:t>
             </a:fld>
             <a:endParaRPr lang="es-CL"/>
           </a:p>
@@ -662,7 +662,7 @@
           <a:p>
             <a:fld id="{8FDB0E46-0FB8-4A65-82C2-1B31257E8B4E}" type="datetimeFigureOut">
               <a:rPr lang="es-CL" smtClean="0"/>
-              <a:t>09-04-2015</a:t>
+              <a:t>13-04-2015</a:t>
             </a:fld>
             <a:endParaRPr lang="es-CL"/>
           </a:p>
@@ -827,7 +827,7 @@
           <a:p>
             <a:fld id="{8FDB0E46-0FB8-4A65-82C2-1B31257E8B4E}" type="datetimeFigureOut">
               <a:rPr lang="es-CL" smtClean="0"/>
-              <a:t>09-04-2015</a:t>
+              <a:t>13-04-2015</a:t>
             </a:fld>
             <a:endParaRPr lang="es-CL"/>
           </a:p>
@@ -1068,7 +1068,7 @@
           <a:p>
             <a:fld id="{8FDB0E46-0FB8-4A65-82C2-1B31257E8B4E}" type="datetimeFigureOut">
               <a:rPr lang="es-CL" smtClean="0"/>
-              <a:t>09-04-2015</a:t>
+              <a:t>13-04-2015</a:t>
             </a:fld>
             <a:endParaRPr lang="es-CL"/>
           </a:p>
@@ -1351,7 +1351,7 @@
           <a:p>
             <a:fld id="{8FDB0E46-0FB8-4A65-82C2-1B31257E8B4E}" type="datetimeFigureOut">
               <a:rPr lang="es-CL" smtClean="0"/>
-              <a:t>09-04-2015</a:t>
+              <a:t>13-04-2015</a:t>
             </a:fld>
             <a:endParaRPr lang="es-CL"/>
           </a:p>
@@ -1768,7 +1768,7 @@
           <a:p>
             <a:fld id="{8FDB0E46-0FB8-4A65-82C2-1B31257E8B4E}" type="datetimeFigureOut">
               <a:rPr lang="es-CL" smtClean="0"/>
-              <a:t>09-04-2015</a:t>
+              <a:t>13-04-2015</a:t>
             </a:fld>
             <a:endParaRPr lang="es-CL"/>
           </a:p>
@@ -1881,7 +1881,7 @@
           <a:p>
             <a:fld id="{8FDB0E46-0FB8-4A65-82C2-1B31257E8B4E}" type="datetimeFigureOut">
               <a:rPr lang="es-CL" smtClean="0"/>
-              <a:t>09-04-2015</a:t>
+              <a:t>13-04-2015</a:t>
             </a:fld>
             <a:endParaRPr lang="es-CL"/>
           </a:p>
@@ -1971,7 +1971,7 @@
           <a:p>
             <a:fld id="{8FDB0E46-0FB8-4A65-82C2-1B31257E8B4E}" type="datetimeFigureOut">
               <a:rPr lang="es-CL" smtClean="0"/>
-              <a:t>09-04-2015</a:t>
+              <a:t>13-04-2015</a:t>
             </a:fld>
             <a:endParaRPr lang="es-CL"/>
           </a:p>
@@ -2243,7 +2243,7 @@
           <a:p>
             <a:fld id="{8FDB0E46-0FB8-4A65-82C2-1B31257E8B4E}" type="datetimeFigureOut">
               <a:rPr lang="es-CL" smtClean="0"/>
-              <a:t>09-04-2015</a:t>
+              <a:t>13-04-2015</a:t>
             </a:fld>
             <a:endParaRPr lang="es-CL"/>
           </a:p>
@@ -2491,7 +2491,7 @@
           <a:p>
             <a:fld id="{8FDB0E46-0FB8-4A65-82C2-1B31257E8B4E}" type="datetimeFigureOut">
               <a:rPr lang="es-CL" smtClean="0"/>
-              <a:t>09-04-2015</a:t>
+              <a:t>13-04-2015</a:t>
             </a:fld>
             <a:endParaRPr lang="es-CL"/>
           </a:p>
@@ -2699,7 +2699,7 @@
           <a:p>
             <a:fld id="{8FDB0E46-0FB8-4A65-82C2-1B31257E8B4E}" type="datetimeFigureOut">
               <a:rPr lang="es-CL" smtClean="0"/>
-              <a:t>09-04-2015</a:t>
+              <a:t>13-04-2015</a:t>
             </a:fld>
             <a:endParaRPr lang="es-CL"/>
           </a:p>
@@ -3939,6 +3939,30 @@
           </a:p>
         </p:txBody>
       </p:sp>
+      <p:pic>
+        <p:nvPicPr>
+          <p:cNvPr id="4" name="Imagen 3"/>
+          <p:cNvPicPr>
+            <a:picLocks noChangeAspect="1"/>
+          </p:cNvPicPr>
+          <p:nvPr/>
+        </p:nvPicPr>
+        <p:blipFill>
+          <a:blip r:embed="rId2"/>
+          <a:stretch>
+            <a:fillRect/>
+          </a:stretch>
+        </p:blipFill>
+        <p:spPr>
+          <a:xfrm>
+            <a:off x="971600" y="2199396"/>
+            <a:ext cx="7037834" cy="3327570"/>
+          </a:xfrm>
+          <a:prstGeom prst="rect">
+            <a:avLst/>
+          </a:prstGeom>
+        </p:spPr>
+      </p:pic>
     </p:spTree>
   </p:cSld>
   <p:clrMapOvr>
